--- a/CurrencyX.pptx
+++ b/CurrencyX.pptx
@@ -11969,13 +11969,29 @@
                 <a:spcPts val="0"/>
               </a:spcBef>
               <a:spcAft>
-                <a:spcPts val="1600"/>
+                <a:spcPts val="0"/>
               </a:spcAft>
               <a:buNone/>
             </a:pPr>
             <a:r>
               <a:rPr lang="en" sz="2400"/>
               <a:t>Overall, the currency converter project is a comprehensive and versatile solution that empowers users with accurate currency conversions, historical data analysis, and a seamless user experience. </a:t>
+            </a:r>
+            <a:endParaRPr sz="2400"/>
+          </a:p>
+          <a:p>
+            <a:pPr indent="0" lvl="0" marL="0" rtl="0" algn="l">
+              <a:spcBef>
+                <a:spcPts val="1600"/>
+              </a:spcBef>
+              <a:spcAft>
+                <a:spcPts val="1600"/>
+              </a:spcAft>
+              <a:buNone/>
+            </a:pPr>
+            <a:r>
+              <a:rPr lang="en" sz="2400"/>
+              <a:t>Source Code : https://github.com/anusha6380/CurrencyX</a:t>
             </a:r>
             <a:endParaRPr sz="2400"/>
           </a:p>
@@ -14049,9 +14065,9 @@
 </file>
 
 <file path=ppt/theme/theme1.xml><?xml version="1.0" encoding="utf-8"?>
-<a:theme xmlns:a="http://schemas.openxmlformats.org/drawingml/2006/main" xmlns:r="http://schemas.openxmlformats.org/officeDocument/2006/relationships" name="Simple Light">
+<a:theme xmlns:a="http://schemas.openxmlformats.org/drawingml/2006/main" xmlns:r="http://schemas.openxmlformats.org/officeDocument/2006/relationships">
   <a:themeElements>
-    <a:clrScheme name="Simple Light">
+    <a:clrScheme name="Default">
       <a:dk1>
         <a:srgbClr val="000000"/>
       </a:dk1>
@@ -14059,34 +14075,34 @@
         <a:srgbClr val="FFFFFF"/>
       </a:lt1>
       <a:dk2>
-        <a:srgbClr val="595959"/>
+        <a:srgbClr val="158158"/>
       </a:dk2>
       <a:lt2>
-        <a:srgbClr val="EEEEEE"/>
+        <a:srgbClr val="F3F3F3"/>
       </a:lt2>
       <a:accent1>
-        <a:srgbClr val="FFAB40"/>
+        <a:srgbClr val="058DC7"/>
       </a:accent1>
       <a:accent2>
-        <a:srgbClr val="212121"/>
+        <a:srgbClr val="50B432"/>
       </a:accent2>
       <a:accent3>
-        <a:srgbClr val="78909C"/>
+        <a:srgbClr val="ED561B"/>
       </a:accent3>
       <a:accent4>
-        <a:srgbClr val="FFAB40"/>
+        <a:srgbClr val="EDEF00"/>
       </a:accent4>
       <a:accent5>
-        <a:srgbClr val="0097A7"/>
+        <a:srgbClr val="24CBE5"/>
       </a:accent5>
       <a:accent6>
-        <a:srgbClr val="EEFF41"/>
+        <a:srgbClr val="64E572"/>
       </a:accent6>
       <a:hlink>
-        <a:srgbClr val="0097A7"/>
+        <a:srgbClr val="2200CC"/>
       </a:hlink>
       <a:folHlink>
-        <a:srgbClr val="0097A7"/>
+        <a:srgbClr val="551A8B"/>
       </a:folHlink>
     </a:clrScheme>
     <a:fontScheme name="Office">
@@ -14328,9 +14344,9 @@
 </file>
 
 <file path=ppt/theme/theme2.xml><?xml version="1.0" encoding="utf-8"?>
-<a:theme xmlns:a="http://schemas.openxmlformats.org/drawingml/2006/main" xmlns:r="http://schemas.openxmlformats.org/officeDocument/2006/relationships">
+<a:theme xmlns:a="http://schemas.openxmlformats.org/drawingml/2006/main" xmlns:r="http://schemas.openxmlformats.org/officeDocument/2006/relationships" name="Simple Light">
   <a:themeElements>
-    <a:clrScheme name="Default">
+    <a:clrScheme name="Simple Light">
       <a:dk1>
         <a:srgbClr val="000000"/>
       </a:dk1>
@@ -14338,34 +14354,34 @@
         <a:srgbClr val="FFFFFF"/>
       </a:lt1>
       <a:dk2>
-        <a:srgbClr val="158158"/>
+        <a:srgbClr val="595959"/>
       </a:dk2>
       <a:lt2>
-        <a:srgbClr val="F3F3F3"/>
+        <a:srgbClr val="EEEEEE"/>
       </a:lt2>
       <a:accent1>
-        <a:srgbClr val="058DC7"/>
+        <a:srgbClr val="FFAB40"/>
       </a:accent1>
       <a:accent2>
-        <a:srgbClr val="50B432"/>
+        <a:srgbClr val="212121"/>
       </a:accent2>
       <a:accent3>
-        <a:srgbClr val="ED561B"/>
+        <a:srgbClr val="78909C"/>
       </a:accent3>
       <a:accent4>
-        <a:srgbClr val="EDEF00"/>
+        <a:srgbClr val="FFAB40"/>
       </a:accent4>
       <a:accent5>
-        <a:srgbClr val="24CBE5"/>
+        <a:srgbClr val="0097A7"/>
       </a:accent5>
       <a:accent6>
-        <a:srgbClr val="64E572"/>
+        <a:srgbClr val="EEFF41"/>
       </a:accent6>
       <a:hlink>
-        <a:srgbClr val="2200CC"/>
+        <a:srgbClr val="0097A7"/>
       </a:hlink>
       <a:folHlink>
-        <a:srgbClr val="551A8B"/>
+        <a:srgbClr val="0097A7"/>
       </a:folHlink>
     </a:clrScheme>
     <a:fontScheme name="Office">
